--- a/Tutorial1/Telegram_Bot_Tutorial1.pptx
+++ b/Tutorial1/Telegram_Bot_Tutorial1.pptx
@@ -106,6 +106,11 @@
       </a:defRPr>
     </a:lvl9pPr>
   </p:defaultTextStyle>
+  <p:extLst>
+    <p:ext uri="{EFAFB233-063F-42B5-8137-9DF3F51BA10A}">
+      <p15:sldGuideLst xmlns:p15="http://schemas.microsoft.com/office/powerpoint/2012/main"/>
+    </p:ext>
+  </p:extLst>
 </p:presentation>
 </file>
 
@@ -5667,12 +5672,12 @@
           <a:chExt cx="0" cy="0"/>
         </a:xfrm>
       </p:grpSpPr>
-      <p:sp useBgFill="1">
-        <p:nvSpPr>
-          <p:cNvPr id="26" name="Rectangle 9">
+      <p:sp>
+        <p:nvSpPr>
+          <p:cNvPr id="32" name="Rectangle 31">
             <a:extLst>
               <a:ext uri="{FF2B5EF4-FFF2-40B4-BE49-F238E27FC236}">
-                <a16:creationId xmlns:a16="http://schemas.microsoft.com/office/drawing/2014/main" id="{BD7C2DEF-63C5-495B-BBE5-720E5D12B4D2}"/>
+                <a16:creationId xmlns:a16="http://schemas.microsoft.com/office/drawing/2014/main" id="{B6F903EC-3A73-4035-9A8D-5DC7F07B811A}"/>
               </a:ext>
               <a:ext uri="{C183D7F6-B498-43B3-948B-1728B52AA6E4}">
                 <adec:decorative xmlns:adec="http://schemas.microsoft.com/office/drawing/2017/decorative" val="1"/>
@@ -5690,14 +5695,17 @@
             </p:extLst>
           </p:nvPr>
         </p:nvSpPr>
-        <p:spPr>
-          <a:xfrm>
-            <a:off x="0" y="0"/>
-            <a:ext cx="12192000" cy="6858000"/>
+        <p:spPr bwMode="white">
+          <a:xfrm>
+            <a:off x="0" y="4360126"/>
+            <a:ext cx="12192000" cy="2497873"/>
           </a:xfrm>
           <a:prstGeom prst="rect">
             <a:avLst/>
           </a:prstGeom>
+          <a:solidFill>
+            <a:schemeClr val="bg1"/>
+          </a:solidFill>
           <a:ln>
             <a:noFill/>
           </a:ln>
@@ -5727,51 +5735,6 @@
           </a:p>
         </p:txBody>
       </p:sp>
-      <p:pic>
-        <p:nvPicPr>
-          <p:cNvPr id="27" name="Picture 11">
-            <a:extLst>
-              <a:ext uri="{FF2B5EF4-FFF2-40B4-BE49-F238E27FC236}">
-                <a16:creationId xmlns:a16="http://schemas.microsoft.com/office/drawing/2014/main" id="{FE21E403-0B61-4473-BE57-AB0F16379674}"/>
-              </a:ext>
-              <a:ext uri="{C183D7F6-B498-43B3-948B-1728B52AA6E4}">
-                <adec:decorative xmlns:adec="http://schemas.microsoft.com/office/drawing/2017/decorative" val="1"/>
-              </a:ext>
-            </a:extLst>
-          </p:cNvPr>
-          <p:cNvPicPr>
-            <a:picLocks noGrp="1" noRot="1" noChangeAspect="1" noMove="1" noResize="1" noEditPoints="1" noAdjustHandles="1" noChangeArrowheads="1" noChangeShapeType="1" noCrop="1"/>
-          </p:cNvPicPr>
-          <p:nvPr>
-            <p:extLst>
-              <p:ext uri="{386F3935-93C4-4BCD-93E2-E3B085C9AB24}">
-                <p16:designElem xmlns:p16="http://schemas.microsoft.com/office/powerpoint/2015/main" val="1"/>
-              </p:ext>
-            </p:extLst>
-          </p:nvPr>
-        </p:nvPicPr>
-        <p:blipFill>
-          <a:blip r:embed="rId2">
-            <a:extLst>
-              <a:ext uri="{28A0092B-C50C-407E-A947-70E740481C1C}">
-                <a14:useLocalDpi xmlns:a14="http://schemas.microsoft.com/office/drawing/2010/main" val="0"/>
-              </a:ext>
-            </a:extLst>
-          </a:blip>
-          <a:stretch>
-            <a:fillRect/>
-          </a:stretch>
-        </p:blipFill>
-        <p:spPr>
-          <a:xfrm>
-            <a:off x="0" y="0"/>
-            <a:ext cx="12192000" cy="1441450"/>
-          </a:xfrm>
-          <a:prstGeom prst="rect">
-            <a:avLst/>
-          </a:prstGeom>
-        </p:spPr>
-      </p:pic>
       <p:sp>
         <p:nvSpPr>
           <p:cNvPr id="2" name="Title 1">
@@ -5790,14 +5753,9 @@
         </p:nvSpPr>
         <p:spPr>
           <a:xfrm>
-            <a:off x="636696" y="643464"/>
-            <a:ext cx="3761964" cy="3273061"/>
-          </a:xfrm>
-          <a:noFill/>
-          <a:ln w="19050">
-            <a:noFill/>
-            <a:prstDash val="dash"/>
-          </a:ln>
+            <a:off x="1022888" y="4676012"/>
+            <a:ext cx="10146224" cy="844255"/>
+          </a:xfrm>
         </p:spPr>
         <p:txBody>
           <a:bodyPr>
@@ -5805,9 +5763,8 @@
           </a:bodyPr>
           <a:lstStyle/>
           <a:p>
-            <a:pPr algn="r"/>
-            <a:r>
-              <a:rPr lang="en-US" sz="4400" cap="none"/>
+            <a:r>
+              <a:rPr lang="en-US" sz="3700" cap="none"/>
               <a:t>Telegram Bot /Automation Using Python</a:t>
             </a:r>
           </a:p>
@@ -5831,14 +5788,9 @@
         </p:nvSpPr>
         <p:spPr>
           <a:xfrm>
-            <a:off x="636695" y="3923151"/>
-            <a:ext cx="3761965" cy="2293885"/>
-          </a:xfrm>
-          <a:noFill/>
-          <a:ln w="19050">
-            <a:noFill/>
-            <a:prstDash val="dash"/>
-          </a:ln>
+            <a:off x="1022888" y="5520267"/>
+            <a:ext cx="10146224" cy="694266"/>
+          </a:xfrm>
         </p:spPr>
         <p:txBody>
           <a:bodyPr>
@@ -5846,22 +5798,90 @@
           </a:bodyPr>
           <a:lstStyle/>
           <a:p>
-            <a:pPr algn="r"/>
-            <a:r>
-              <a:rPr lang="en-US"/>
+            <a:r>
+              <a:rPr lang="en-US" sz="1700"/>
               <a:t>                    </a:t>
             </a:r>
             <a:r>
-              <a:rPr lang="en-US" b="1"/>
+              <a:rPr lang="en-US" sz="1700" b="1"/>
               <a:t>Setup Telegram Bot /Introduction To Telegram API</a:t>
             </a:r>
           </a:p>
           <a:p>
-            <a:pPr algn="r"/>
-            <a:r>
-              <a:rPr lang="en-US" b="1"/>
+            <a:r>
+              <a:rPr lang="en-US" sz="1700" b="1"/>
               <a:t>                                                  TUTORAL 1</a:t>
             </a:r>
+          </a:p>
+        </p:txBody>
+      </p:sp>
+      <p:sp>
+        <p:nvSpPr>
+          <p:cNvPr id="34" name="Rounded Rectangle 6">
+            <a:extLst>
+              <a:ext uri="{FF2B5EF4-FFF2-40B4-BE49-F238E27FC236}">
+                <a16:creationId xmlns:a16="http://schemas.microsoft.com/office/drawing/2014/main" id="{A0337EB5-4225-437C-BEB8-193DA8945EC6}"/>
+              </a:ext>
+              <a:ext uri="{C183D7F6-B498-43B3-948B-1728B52AA6E4}">
+                <adec:decorative xmlns:adec="http://schemas.microsoft.com/office/drawing/2017/decorative" val="1"/>
+              </a:ext>
+            </a:extLst>
+          </p:cNvPr>
+          <p:cNvSpPr>
+            <a:spLocks noGrp="1" noRot="1" noChangeAspect="1" noMove="1" noResize="1" noEditPoints="1" noAdjustHandles="1" noChangeArrowheads="1" noChangeShapeType="1" noTextEdit="1"/>
+          </p:cNvSpPr>
+          <p:nvPr>
+            <p:extLst>
+              <p:ext uri="{386F3935-93C4-4BCD-93E2-E3B085C9AB24}">
+                <p16:designElem xmlns:p16="http://schemas.microsoft.com/office/powerpoint/2015/main" val="1"/>
+              </p:ext>
+            </p:extLst>
+          </p:nvPr>
+        </p:nvSpPr>
+        <p:spPr>
+          <a:xfrm>
+            <a:off x="1022888" y="712832"/>
+            <a:ext cx="8402466" cy="3478161"/>
+          </a:xfrm>
+          <a:prstGeom prst="roundRect">
+            <a:avLst>
+              <a:gd name="adj" fmla="val 2403"/>
+            </a:avLst>
+          </a:prstGeom>
+          <a:solidFill>
+            <a:srgbClr val="FFFFFF"/>
+          </a:solidFill>
+          <a:ln>
+            <a:noFill/>
+          </a:ln>
+          <a:effectLst>
+            <a:innerShdw blurRad="114300">
+              <a:prstClr val="black"/>
+            </a:innerShdw>
+          </a:effectLst>
+        </p:spPr>
+        <p:style>
+          <a:lnRef idx="2">
+            <a:schemeClr val="accent1">
+              <a:shade val="50000"/>
+            </a:schemeClr>
+          </a:lnRef>
+          <a:fillRef idx="1">
+            <a:schemeClr val="accent1"/>
+          </a:fillRef>
+          <a:effectRef idx="0">
+            <a:schemeClr val="accent1"/>
+          </a:effectRef>
+          <a:fontRef idx="minor">
+            <a:schemeClr val="lt1"/>
+          </a:fontRef>
+        </p:style>
+        <p:txBody>
+          <a:bodyPr rtlCol="0" anchor="ctr"/>
+          <a:lstStyle/>
+          <a:p>
+            <a:pPr algn="ctr"/>
+            <a:endParaRPr lang="en-US"/>
           </a:p>
         </p:txBody>
       </p:sp>
@@ -5880,6 +5900,36 @@
           <p:nvPr/>
         </p:nvPicPr>
         <p:blipFill>
+          <a:blip r:embed="rId2"/>
+          <a:stretch>
+            <a:fillRect/>
+          </a:stretch>
+        </p:blipFill>
+        <p:spPr>
+          <a:xfrm>
+            <a:off x="2064104" y="1197851"/>
+            <a:ext cx="2508122" cy="2508122"/>
+          </a:xfrm>
+          <a:prstGeom prst="rect">
+            <a:avLst/>
+          </a:prstGeom>
+        </p:spPr>
+      </p:pic>
+      <p:pic>
+        <p:nvPicPr>
+          <p:cNvPr id="6" name="Picture 5" descr="Logo, company name&#10;&#10;Description automatically generated">
+            <a:extLst>
+              <a:ext uri="{FF2B5EF4-FFF2-40B4-BE49-F238E27FC236}">
+                <a16:creationId xmlns:a16="http://schemas.microsoft.com/office/drawing/2014/main" id="{0737F3E3-B9A5-FD4C-9ABA-1199C775F1C3}"/>
+              </a:ext>
+            </a:extLst>
+          </p:cNvPr>
+          <p:cNvPicPr>
+            <a:picLocks noChangeAspect="1"/>
+          </p:cNvPicPr>
+          <p:nvPr/>
+        </p:nvPicPr>
+        <p:blipFill>
           <a:blip r:embed="rId3"/>
           <a:stretch>
             <a:fillRect/>
@@ -5887,8 +5937,8 @@
         </p:blipFill>
         <p:spPr>
           <a:xfrm>
-            <a:off x="5578097" y="941122"/>
-            <a:ext cx="5115048" cy="5115048"/>
+            <a:off x="5384988" y="1234971"/>
+            <a:ext cx="3555736" cy="2444568"/>
           </a:xfrm>
           <a:prstGeom prst="rect">
             <a:avLst/>
